--- a/data-viz-02/component/tutorial-perception.pptx
+++ b/data-viz-02/component/tutorial-perception.pptx
@@ -8697,6 +8697,764 @@
             <a:r>
               <a:rPr/>
               <a:t>color.</a:t>
+            </a:r>
+          </a:p>
+          <a:p>
+            <a:pPr lvl="0" marL="0" indent="0">
+              <a:buNone/>
+            </a:pPr>
+          </a:p>
+          <a:p>
+            <a:pPr lvl="0" marL="0" indent="0">
+              <a:buNone/>
+            </a:pPr>
+            <a:r>
+              <a:rPr/>
+              <a:t>(NOte</a:t>
+            </a:r>
+            <a:r>
+              <a:rPr/>
+              <a:t> </a:t>
+            </a:r>
+            <a:r>
+              <a:rPr/>
+              <a:t>to</a:t>
+            </a:r>
+            <a:r>
+              <a:rPr/>
+              <a:t> </a:t>
+            </a:r>
+            <a:r>
+              <a:rPr/>
+              <a:t>myself)</a:t>
+            </a:r>
+            <a:r>
+              <a:rPr/>
+              <a:t> </a:t>
+            </a:r>
+            <a:r>
+              <a:rPr/>
+              <a:t>Another</a:t>
+            </a:r>
+            <a:r>
+              <a:rPr/>
+              <a:t> </a:t>
+            </a:r>
+            <a:r>
+              <a:rPr/>
+              <a:t>important</a:t>
+            </a:r>
+            <a:r>
+              <a:rPr/>
+              <a:t> </a:t>
+            </a:r>
+            <a:r>
+              <a:rPr/>
+              <a:t>visual</a:t>
+            </a:r>
+            <a:r>
+              <a:rPr/>
+              <a:t> </a:t>
+            </a:r>
+            <a:r>
+              <a:rPr/>
+              <a:t>task</a:t>
+            </a:r>
+            <a:r>
+              <a:rPr/>
+              <a:t> </a:t>
+            </a:r>
+            <a:r>
+              <a:rPr/>
+              <a:t>is</a:t>
+            </a:r>
+            <a:r>
+              <a:rPr/>
+              <a:t> </a:t>
+            </a:r>
+            <a:r>
+              <a:rPr/>
+              <a:t>“</a:t>
+            </a:r>
+            <a:r>
+              <a:rPr/>
+              <a:t>look</a:t>
+            </a:r>
+            <a:r>
+              <a:rPr/>
+              <a:t> </a:t>
+            </a:r>
+            <a:r>
+              <a:rPr/>
+              <a:t>up</a:t>
+            </a:r>
+            <a:r>
+              <a:rPr/>
+              <a:t>”</a:t>
+            </a:r>
+            <a:r>
+              <a:rPr/>
+              <a:t> </a:t>
+            </a:r>
+            <a:r>
+              <a:rPr/>
+              <a:t>or</a:t>
+            </a:r>
+            <a:r>
+              <a:rPr/>
+              <a:t> </a:t>
+            </a:r>
+            <a:r>
+              <a:rPr/>
+              <a:t>the</a:t>
+            </a:r>
+            <a:r>
+              <a:rPr/>
+              <a:t> </a:t>
+            </a:r>
+            <a:r>
+              <a:rPr/>
+              <a:t>ability</a:t>
+            </a:r>
+            <a:r>
+              <a:rPr/>
+              <a:t> </a:t>
+            </a:r>
+            <a:r>
+              <a:rPr/>
+              <a:t>to</a:t>
+            </a:r>
+            <a:r>
+              <a:rPr/>
+              <a:t> </a:t>
+            </a:r>
+            <a:r>
+              <a:rPr/>
+              <a:t>rapidly</a:t>
+            </a:r>
+            <a:r>
+              <a:rPr/>
+              <a:t> </a:t>
+            </a:r>
+            <a:r>
+              <a:rPr/>
+              <a:t>identify</a:t>
+            </a:r>
+            <a:r>
+              <a:rPr/>
+              <a:t> </a:t>
+            </a:r>
+            <a:r>
+              <a:rPr/>
+              <a:t>a</a:t>
+            </a:r>
+            <a:r>
+              <a:rPr/>
+              <a:t> </a:t>
+            </a:r>
+            <a:r>
+              <a:rPr/>
+              <a:t>particular</a:t>
+            </a:r>
+            <a:r>
+              <a:rPr/>
+              <a:t> </a:t>
+            </a:r>
+            <a:r>
+              <a:rPr/>
+              <a:t>component</a:t>
+            </a:r>
+            <a:r>
+              <a:rPr/>
+              <a:t> </a:t>
+            </a:r>
+            <a:r>
+              <a:rPr/>
+              <a:t>of</a:t>
+            </a:r>
+            <a:r>
+              <a:rPr/>
+              <a:t> </a:t>
+            </a:r>
+            <a:r>
+              <a:rPr/>
+              <a:t>a</a:t>
+            </a:r>
+            <a:r>
+              <a:rPr/>
+              <a:t> </a:t>
+            </a:r>
+            <a:r>
+              <a:rPr/>
+              <a:t>visualization.</a:t>
+            </a:r>
+            <a:r>
+              <a:rPr/>
+              <a:t> </a:t>
+            </a:r>
+            <a:r>
+              <a:rPr/>
+              <a:t>A</a:t>
+            </a:r>
+            <a:r>
+              <a:rPr/>
+              <a:t> </a:t>
+            </a:r>
+            <a:r>
+              <a:rPr/>
+              <a:t>table</a:t>
+            </a:r>
+            <a:r>
+              <a:rPr/>
+              <a:t> </a:t>
+            </a:r>
+            <a:r>
+              <a:rPr/>
+              <a:t>is</a:t>
+            </a:r>
+            <a:r>
+              <a:rPr/>
+              <a:t> </a:t>
+            </a:r>
+            <a:r>
+              <a:rPr/>
+              <a:t>the</a:t>
+            </a:r>
+            <a:r>
+              <a:rPr/>
+              <a:t> </a:t>
+            </a:r>
+            <a:r>
+              <a:rPr/>
+              <a:t>best</a:t>
+            </a:r>
+            <a:r>
+              <a:rPr/>
+              <a:t> </a:t>
+            </a:r>
+            <a:r>
+              <a:rPr/>
+              <a:t>tool</a:t>
+            </a:r>
+            <a:r>
+              <a:rPr/>
+              <a:t> </a:t>
+            </a:r>
+            <a:r>
+              <a:rPr/>
+              <a:t>for</a:t>
+            </a:r>
+            <a:r>
+              <a:rPr/>
+              <a:t> </a:t>
+            </a:r>
+            <a:r>
+              <a:rPr/>
+              <a:t>look</a:t>
+            </a:r>
+            <a:r>
+              <a:rPr/>
+              <a:t> </a:t>
+            </a:r>
+            <a:r>
+              <a:rPr/>
+              <a:t>up,</a:t>
+            </a:r>
+            <a:r>
+              <a:rPr/>
+              <a:t> </a:t>
+            </a:r>
+            <a:r>
+              <a:rPr/>
+              <a:t>but</a:t>
+            </a:r>
+            <a:r>
+              <a:rPr/>
+              <a:t> </a:t>
+            </a:r>
+            <a:r>
+              <a:rPr/>
+              <a:t>moving</a:t>
+            </a:r>
+            <a:r>
+              <a:rPr/>
+              <a:t> </a:t>
+            </a:r>
+            <a:r>
+              <a:rPr/>
+              <a:t>a</a:t>
+            </a:r>
+            <a:r>
+              <a:rPr/>
+              <a:t> </a:t>
+            </a:r>
+            <a:r>
+              <a:rPr/>
+              <a:t>legend</a:t>
+            </a:r>
+            <a:r>
+              <a:rPr/>
+              <a:t> </a:t>
+            </a:r>
+            <a:r>
+              <a:rPr/>
+              <a:t>to</a:t>
+            </a:r>
+            <a:r>
+              <a:rPr/>
+              <a:t> </a:t>
+            </a:r>
+            <a:r>
+              <a:rPr/>
+              <a:t>a</a:t>
+            </a:r>
+            <a:r>
+              <a:rPr/>
+              <a:t> </a:t>
+            </a:r>
+            <a:r>
+              <a:rPr/>
+              <a:t>more</a:t>
+            </a:r>
+            <a:r>
+              <a:rPr/>
+              <a:t> </a:t>
+            </a:r>
+            <a:r>
+              <a:rPr/>
+              <a:t>prominent</a:t>
+            </a:r>
+            <a:r>
+              <a:rPr/>
+              <a:t> </a:t>
+            </a:r>
+            <a:r>
+              <a:rPr/>
+              <a:t>location</a:t>
+            </a:r>
+            <a:r>
+              <a:rPr/>
+              <a:t> </a:t>
+            </a:r>
+            <a:r>
+              <a:rPr/>
+              <a:t>or</a:t>
+            </a:r>
+            <a:r>
+              <a:rPr/>
+              <a:t> </a:t>
+            </a:r>
+            <a:r>
+              <a:rPr/>
+              <a:t>replacing</a:t>
+            </a:r>
+            <a:r>
+              <a:rPr/>
+              <a:t> </a:t>
+            </a:r>
+            <a:r>
+              <a:rPr/>
+              <a:t>it</a:t>
+            </a:r>
+            <a:r>
+              <a:rPr/>
+              <a:t> </a:t>
+            </a:r>
+            <a:r>
+              <a:rPr/>
+              <a:t>with</a:t>
+            </a:r>
+            <a:r>
+              <a:rPr/>
+              <a:t> </a:t>
+            </a:r>
+            <a:r>
+              <a:rPr/>
+              <a:t>labels</a:t>
+            </a:r>
+            <a:r>
+              <a:rPr/>
+              <a:t> </a:t>
+            </a:r>
+            <a:r>
+              <a:rPr/>
+              <a:t>placed</a:t>
+            </a:r>
+            <a:r>
+              <a:rPr/>
+              <a:t> </a:t>
+            </a:r>
+            <a:r>
+              <a:rPr/>
+              <a:t>directly</a:t>
+            </a:r>
+            <a:r>
+              <a:rPr/>
+              <a:t> </a:t>
+            </a:r>
+            <a:r>
+              <a:rPr/>
+              <a:t>on</a:t>
+            </a:r>
+            <a:r>
+              <a:rPr/>
+              <a:t> </a:t>
+            </a:r>
+            <a:r>
+              <a:rPr/>
+              <a:t>the</a:t>
+            </a:r>
+            <a:r>
+              <a:rPr/>
+              <a:t> </a:t>
+            </a:r>
+            <a:r>
+              <a:rPr/>
+              <a:t>graphs</a:t>
+            </a:r>
+            <a:r>
+              <a:rPr/>
+              <a:t> </a:t>
+            </a:r>
+            <a:r>
+              <a:rPr/>
+              <a:t>can</a:t>
+            </a:r>
+            <a:r>
+              <a:rPr/>
+              <a:t> </a:t>
+            </a:r>
+            <a:r>
+              <a:rPr/>
+              <a:t>often</a:t>
+            </a:r>
+            <a:r>
+              <a:rPr/>
+              <a:t> </a:t>
+            </a:r>
+            <a:r>
+              <a:rPr/>
+              <a:t>help.</a:t>
+            </a:r>
+            <a:r>
+              <a:rPr/>
+              <a:t> </a:t>
+            </a:r>
+            <a:r>
+              <a:rPr/>
+              <a:t>Alphabetical</a:t>
+            </a:r>
+            <a:r>
+              <a:rPr/>
+              <a:t> </a:t>
+            </a:r>
+            <a:r>
+              <a:rPr/>
+              <a:t>lists</a:t>
+            </a:r>
+            <a:r>
+              <a:rPr/>
+              <a:t> </a:t>
+            </a:r>
+            <a:r>
+              <a:rPr/>
+              <a:t>in</a:t>
+            </a:r>
+            <a:r>
+              <a:rPr/>
+              <a:t> </a:t>
+            </a:r>
+            <a:r>
+              <a:rPr/>
+              <a:t>legends</a:t>
+            </a:r>
+            <a:r>
+              <a:rPr/>
+              <a:t> </a:t>
+            </a:r>
+            <a:r>
+              <a:rPr/>
+              <a:t>and</a:t>
+            </a:r>
+            <a:r>
+              <a:rPr/>
+              <a:t> </a:t>
+            </a:r>
+            <a:r>
+              <a:rPr/>
+              <a:t>in</a:t>
+            </a:r>
+            <a:r>
+              <a:rPr/>
+              <a:t> </a:t>
+            </a:r>
+            <a:r>
+              <a:rPr/>
+              <a:t>bar</a:t>
+            </a:r>
+            <a:r>
+              <a:rPr/>
+              <a:t> </a:t>
+            </a:r>
+            <a:r>
+              <a:rPr/>
+              <a:t>placements</a:t>
+            </a:r>
+            <a:r>
+              <a:rPr/>
+              <a:t> </a:t>
+            </a:r>
+            <a:r>
+              <a:rPr/>
+              <a:t>can</a:t>
+            </a:r>
+            <a:r>
+              <a:rPr/>
+              <a:t> </a:t>
+            </a:r>
+            <a:r>
+              <a:rPr/>
+              <a:t>also</a:t>
+            </a:r>
+            <a:r>
+              <a:rPr/>
+              <a:t> </a:t>
+            </a:r>
+            <a:r>
+              <a:rPr/>
+              <a:t>improve</a:t>
+            </a:r>
+            <a:r>
+              <a:rPr/>
+              <a:t> </a:t>
+            </a:r>
+            <a:r>
+              <a:rPr/>
+              <a:t>the</a:t>
+            </a:r>
+            <a:r>
+              <a:rPr/>
+              <a:t> </a:t>
+            </a:r>
+            <a:r>
+              <a:rPr/>
+              <a:t>speed</a:t>
+            </a:r>
+            <a:r>
+              <a:rPr/>
+              <a:t> </a:t>
+            </a:r>
+            <a:r>
+              <a:rPr/>
+              <a:t>and</a:t>
+            </a:r>
+            <a:r>
+              <a:rPr/>
+              <a:t> </a:t>
+            </a:r>
+            <a:r>
+              <a:rPr/>
+              <a:t>accuracy</a:t>
+            </a:r>
+            <a:r>
+              <a:rPr/>
+              <a:t> </a:t>
+            </a:r>
+            <a:r>
+              <a:rPr/>
+              <a:t>of</a:t>
+            </a:r>
+            <a:r>
+              <a:rPr/>
+              <a:t> </a:t>
+            </a:r>
+            <a:r>
+              <a:rPr/>
+              <a:t>lookup.</a:t>
+            </a:r>
+            <a:r>
+              <a:rPr/>
+              <a:t> </a:t>
+            </a:r>
+            <a:r>
+              <a:rPr/>
+              <a:t>The</a:t>
+            </a:r>
+            <a:r>
+              <a:rPr/>
+              <a:t> </a:t>
+            </a:r>
+            <a:r>
+              <a:rPr/>
+              <a:t>use</a:t>
+            </a:r>
+            <a:r>
+              <a:rPr/>
+              <a:t> </a:t>
+            </a:r>
+            <a:r>
+              <a:rPr/>
+              <a:t>of</a:t>
+            </a:r>
+            <a:r>
+              <a:rPr/>
+              <a:t> </a:t>
+            </a:r>
+            <a:r>
+              <a:rPr/>
+              <a:t>an</a:t>
+            </a:r>
+            <a:r>
+              <a:rPr/>
+              <a:t> </a:t>
+            </a:r>
+            <a:r>
+              <a:rPr/>
+              <a:t>accent</a:t>
+            </a:r>
+            <a:r>
+              <a:rPr/>
+              <a:t> </a:t>
+            </a:r>
+            <a:r>
+              <a:rPr/>
+              <a:t>color</a:t>
+            </a:r>
+            <a:r>
+              <a:rPr/>
+              <a:t> </a:t>
+            </a:r>
+            <a:r>
+              <a:rPr/>
+              <a:t>helps,</a:t>
+            </a:r>
+            <a:r>
+              <a:rPr/>
+              <a:t> </a:t>
+            </a:r>
+            <a:r>
+              <a:rPr/>
+              <a:t>if</a:t>
+            </a:r>
+            <a:r>
+              <a:rPr/>
+              <a:t> </a:t>
+            </a:r>
+            <a:r>
+              <a:rPr/>
+              <a:t>you</a:t>
+            </a:r>
+            <a:r>
+              <a:rPr/>
+              <a:t> </a:t>
+            </a:r>
+            <a:r>
+              <a:rPr/>
+              <a:t>know</a:t>
+            </a:r>
+            <a:r>
+              <a:rPr/>
+              <a:t> </a:t>
+            </a:r>
+            <a:r>
+              <a:rPr/>
+              <a:t>in</a:t>
+            </a:r>
+            <a:r>
+              <a:rPr/>
+              <a:t> </a:t>
+            </a:r>
+            <a:r>
+              <a:rPr/>
+              <a:t>advance</a:t>
+            </a:r>
+            <a:r>
+              <a:rPr/>
+              <a:t> </a:t>
+            </a:r>
+            <a:r>
+              <a:rPr/>
+              <a:t>what</a:t>
+            </a:r>
+            <a:r>
+              <a:rPr/>
+              <a:t> </a:t>
+            </a:r>
+            <a:r>
+              <a:rPr/>
+              <a:t>component</a:t>
+            </a:r>
+            <a:r>
+              <a:rPr/>
+              <a:t> </a:t>
+            </a:r>
+            <a:r>
+              <a:rPr/>
+              <a:t>your</a:t>
+            </a:r>
+            <a:r>
+              <a:rPr/>
+              <a:t> </a:t>
+            </a:r>
+            <a:r>
+              <a:rPr/>
+              <a:t>viewers</a:t>
+            </a:r>
+            <a:r>
+              <a:rPr/>
+              <a:t> </a:t>
+            </a:r>
+            <a:r>
+              <a:rPr/>
+              <a:t>are</a:t>
+            </a:r>
+            <a:r>
+              <a:rPr/>
+              <a:t> </a:t>
+            </a:r>
+            <a:r>
+              <a:rPr/>
+              <a:t>going</a:t>
+            </a:r>
+            <a:r>
+              <a:rPr/>
+              <a:t> </a:t>
+            </a:r>
+            <a:r>
+              <a:rPr/>
+              <a:t>to</a:t>
+            </a:r>
+            <a:r>
+              <a:rPr/>
+              <a:t> </a:t>
+            </a:r>
+            <a:r>
+              <a:rPr/>
+              <a:t>want</a:t>
+            </a:r>
+            <a:r>
+              <a:rPr/>
+              <a:t> </a:t>
+            </a:r>
+            <a:r>
+              <a:rPr/>
+              <a:t>to</a:t>
+            </a:r>
+            <a:r>
+              <a:rPr/>
+              <a:t> </a:t>
+            </a:r>
+            <a:r>
+              <a:rPr/>
+              <a:t>look</a:t>
+            </a:r>
+            <a:r>
+              <a:rPr/>
+              <a:t> </a:t>
+            </a:r>
+            <a:r>
+              <a:rPr/>
+              <a:t>up.</a:t>
             </a:r>
           </a:p>
         </p:txBody>
@@ -17880,7 +18638,7 @@
           <a:bodyPr/>
           <a:lstStyle/>
           <a:p>
-            <a:pPr lvl="2"/>
+            <a:pPr lvl="1"/>
             <a:r>
               <a:rPr/>
               <a:t>Visual tasks</a:t>
